--- a/image/ttest/界面.pptx
+++ b/image/ttest/界面.pptx
@@ -6,7 +6,6 @@
   </p:sldMasterIdLst>
   <p:sldIdLst>
     <p:sldId id="256" r:id="rId2"/>
-    <p:sldId id="257" r:id="rId3"/>
   </p:sldIdLst>
   <p:sldSz cx="9144000" cy="6858000" type="screen4x3"/>
   <p:notesSz cx="6858000" cy="9144000"/>
@@ -289,7 +288,7 @@
           <a:p>
             <a:fld id="{530820CF-B880-4189-942D-D702A7CBA730}" type="datetimeFigureOut">
               <a:rPr lang="zh-CN" altLang="en-US" smtClean="0"/>
-              <a:t>2021/8/6</a:t>
+              <a:t>2021/12/26</a:t>
             </a:fld>
             <a:endParaRPr lang="zh-CN" altLang="en-US"/>
           </a:p>
@@ -454,7 +453,7 @@
           <a:p>
             <a:fld id="{530820CF-B880-4189-942D-D702A7CBA730}" type="datetimeFigureOut">
               <a:rPr lang="zh-CN" altLang="en-US" smtClean="0"/>
-              <a:t>2021/8/6</a:t>
+              <a:t>2021/12/26</a:t>
             </a:fld>
             <a:endParaRPr lang="zh-CN" altLang="en-US"/>
           </a:p>
@@ -629,7 +628,7 @@
           <a:p>
             <a:fld id="{530820CF-B880-4189-942D-D702A7CBA730}" type="datetimeFigureOut">
               <a:rPr lang="zh-CN" altLang="en-US" smtClean="0"/>
-              <a:t>2021/8/6</a:t>
+              <a:t>2021/12/26</a:t>
             </a:fld>
             <a:endParaRPr lang="zh-CN" altLang="en-US"/>
           </a:p>
@@ -794,7 +793,7 @@
           <a:p>
             <a:fld id="{530820CF-B880-4189-942D-D702A7CBA730}" type="datetimeFigureOut">
               <a:rPr lang="zh-CN" altLang="en-US" smtClean="0"/>
-              <a:t>2021/8/6</a:t>
+              <a:t>2021/12/26</a:t>
             </a:fld>
             <a:endParaRPr lang="zh-CN" altLang="en-US"/>
           </a:p>
@@ -1035,7 +1034,7 @@
           <a:p>
             <a:fld id="{530820CF-B880-4189-942D-D702A7CBA730}" type="datetimeFigureOut">
               <a:rPr lang="zh-CN" altLang="en-US" smtClean="0"/>
-              <a:t>2021/8/6</a:t>
+              <a:t>2021/12/26</a:t>
             </a:fld>
             <a:endParaRPr lang="zh-CN" altLang="en-US"/>
           </a:p>
@@ -1318,7 +1317,7 @@
           <a:p>
             <a:fld id="{530820CF-B880-4189-942D-D702A7CBA730}" type="datetimeFigureOut">
               <a:rPr lang="zh-CN" altLang="en-US" smtClean="0"/>
-              <a:t>2021/8/6</a:t>
+              <a:t>2021/12/26</a:t>
             </a:fld>
             <a:endParaRPr lang="zh-CN" altLang="en-US"/>
           </a:p>
@@ -1735,7 +1734,7 @@
           <a:p>
             <a:fld id="{530820CF-B880-4189-942D-D702A7CBA730}" type="datetimeFigureOut">
               <a:rPr lang="zh-CN" altLang="en-US" smtClean="0"/>
-              <a:t>2021/8/6</a:t>
+              <a:t>2021/12/26</a:t>
             </a:fld>
             <a:endParaRPr lang="zh-CN" altLang="en-US"/>
           </a:p>
@@ -1848,7 +1847,7 @@
           <a:p>
             <a:fld id="{530820CF-B880-4189-942D-D702A7CBA730}" type="datetimeFigureOut">
               <a:rPr lang="zh-CN" altLang="en-US" smtClean="0"/>
-              <a:t>2021/8/6</a:t>
+              <a:t>2021/12/26</a:t>
             </a:fld>
             <a:endParaRPr lang="zh-CN" altLang="en-US"/>
           </a:p>
@@ -1938,7 +1937,7 @@
           <a:p>
             <a:fld id="{530820CF-B880-4189-942D-D702A7CBA730}" type="datetimeFigureOut">
               <a:rPr lang="zh-CN" altLang="en-US" smtClean="0"/>
-              <a:t>2021/8/6</a:t>
+              <a:t>2021/12/26</a:t>
             </a:fld>
             <a:endParaRPr lang="zh-CN" altLang="en-US"/>
           </a:p>
@@ -2210,7 +2209,7 @@
           <a:p>
             <a:fld id="{530820CF-B880-4189-942D-D702A7CBA730}" type="datetimeFigureOut">
               <a:rPr lang="zh-CN" altLang="en-US" smtClean="0"/>
-              <a:t>2021/8/6</a:t>
+              <a:t>2021/12/26</a:t>
             </a:fld>
             <a:endParaRPr lang="zh-CN" altLang="en-US"/>
           </a:p>
@@ -2458,7 +2457,7 @@
           <a:p>
             <a:fld id="{530820CF-B880-4189-942D-D702A7CBA730}" type="datetimeFigureOut">
               <a:rPr lang="zh-CN" altLang="en-US" smtClean="0"/>
-              <a:t>2021/8/6</a:t>
+              <a:t>2021/12/26</a:t>
             </a:fld>
             <a:endParaRPr lang="zh-CN" altLang="en-US"/>
           </a:p>
@@ -2666,7 +2665,7 @@
           <a:p>
             <a:fld id="{530820CF-B880-4189-942D-D702A7CBA730}" type="datetimeFigureOut">
               <a:rPr lang="zh-CN" altLang="en-US" smtClean="0"/>
-              <a:t>2021/8/6</a:t>
+              <a:t>2021/12/26</a:t>
             </a:fld>
             <a:endParaRPr lang="zh-CN" altLang="en-US"/>
           </a:p>
@@ -3038,9 +3037,9 @@
       </p:grpSpPr>
       <p:pic>
         <p:nvPicPr>
-          <p:cNvPr id="1026" name="Picture 2"/>
+          <p:cNvPr id="5" name="图片 4"/>
           <p:cNvPicPr>
-            <a:picLocks noChangeAspect="1" noChangeArrowheads="1"/>
+            <a:picLocks noChangeAspect="1"/>
           </p:cNvPicPr>
           <p:nvPr/>
         </p:nvPicPr>
@@ -3052,61 +3051,75 @@
               </a:ext>
             </a:extLst>
           </a:blip>
-          <a:srcRect/>
           <a:stretch>
             <a:fillRect/>
           </a:stretch>
         </p:blipFill>
-        <p:spPr bwMode="auto">
+        <p:spPr>
           <a:xfrm>
-            <a:off x="2123728" y="764704"/>
-            <a:ext cx="3987800" cy="4781550"/>
+            <a:off x="2915816" y="1412776"/>
+            <a:ext cx="2863997" cy="5105662"/>
+          </a:xfrm>
+          <a:prstGeom prst="rect">
+            <a:avLst/>
+          </a:prstGeom>
+        </p:spPr>
+      </p:pic>
+      <p:sp>
+        <p:nvSpPr>
+          <p:cNvPr id="2" name="TextBox 1"/>
+          <p:cNvSpPr txBox="1"/>
+          <p:nvPr/>
+        </p:nvSpPr>
+        <p:spPr>
+          <a:xfrm>
+            <a:off x="2411760" y="620688"/>
+            <a:ext cx="3672408" cy="461665"/>
           </a:xfrm>
           <a:prstGeom prst="rect">
             <a:avLst/>
           </a:prstGeom>
           <a:noFill/>
-          <a:ln>
-            <a:noFill/>
-          </a:ln>
-          <a:extLst>
-            <a:ext uri="{909E8E84-426E-40DD-AFC4-6F175D3DCCD1}">
-              <a14:hiddenFill xmlns:a14="http://schemas.microsoft.com/office/drawing/2010/main">
+        </p:spPr>
+        <p:txBody>
+          <a:bodyPr wrap="square" rtlCol="0">
+            <a:spAutoFit/>
+          </a:bodyPr>
+          <a:lstStyle/>
+          <a:p>
+            <a:r>
+              <a:rPr lang="zh-CN" altLang="en-US" sz="2400" b="1" dirty="0" smtClean="0">
                 <a:solidFill>
-                  <a:schemeClr val="accent1"/>
+                  <a:srgbClr val="FF0000"/>
                 </a:solidFill>
-              </a14:hiddenFill>
-            </a:ext>
-            <a:ext uri="{91240B29-F687-4F45-9708-019B960494DF}">
-              <a14:hiddenLine xmlns:a14="http://schemas.microsoft.com/office/drawing/2010/main" w="9525">
-                <a:solidFill>
-                  <a:schemeClr val="tx1"/>
-                </a:solidFill>
-                <a:miter lim="800000"/>
-                <a:headEnd/>
-                <a:tailEnd/>
-              </a14:hiddenLine>
-            </a:ext>
-          </a:extLst>
-        </p:spPr>
-      </p:pic>
-      <p:sp>
-        <p:nvSpPr>
-          <p:cNvPr id="7" name="线形标注 1 6"/>
+              </a:rPr>
+              <a:t>界面介绍</a:t>
+            </a:r>
+            <a:endParaRPr lang="zh-CN" altLang="en-US" sz="2400" b="1" dirty="0">
+              <a:solidFill>
+                <a:srgbClr val="FF0000"/>
+              </a:solidFill>
+            </a:endParaRPr>
+          </a:p>
+        </p:txBody>
+      </p:sp>
+      <p:sp>
+        <p:nvSpPr>
+          <p:cNvPr id="14" name="线形标注 1 13"/>
           <p:cNvSpPr/>
           <p:nvPr/>
         </p:nvSpPr>
         <p:spPr>
           <a:xfrm>
-            <a:off x="1043608" y="1615108"/>
-            <a:ext cx="936104" cy="288032"/>
+            <a:off x="1882276" y="2132856"/>
+            <a:ext cx="864096" cy="288032"/>
           </a:xfrm>
           <a:prstGeom prst="borderCallout1">
             <a:avLst>
-              <a:gd name="adj1" fmla="val 50496"/>
-              <a:gd name="adj2" fmla="val 100338"/>
-              <a:gd name="adj3" fmla="val 120437"/>
-              <a:gd name="adj4" fmla="val 158861"/>
+              <a:gd name="adj1" fmla="val 44544"/>
+              <a:gd name="adj2" fmla="val 98811"/>
+              <a:gd name="adj3" fmla="val 46141"/>
+              <a:gd name="adj4" fmla="val 159078"/>
             </a:avLst>
           </a:prstGeom>
           <a:noFill/>
@@ -3155,21 +3168,21 @@
       </p:sp>
       <p:sp>
         <p:nvSpPr>
-          <p:cNvPr id="9" name="线形标注 1 8"/>
+          <p:cNvPr id="15" name="线形标注 1 14"/>
           <p:cNvSpPr/>
           <p:nvPr/>
         </p:nvSpPr>
         <p:spPr>
           <a:xfrm>
-            <a:off x="1056219" y="2410041"/>
-            <a:ext cx="998418" cy="360040"/>
+            <a:off x="1743547" y="3501008"/>
+            <a:ext cx="1141553" cy="288032"/>
           </a:xfrm>
           <a:prstGeom prst="borderCallout1">
             <a:avLst>
-              <a:gd name="adj1" fmla="val 50496"/>
-              <a:gd name="adj2" fmla="val 100338"/>
-              <a:gd name="adj3" fmla="val 95040"/>
-              <a:gd name="adj4" fmla="val 137110"/>
+              <a:gd name="adj1" fmla="val 44544"/>
+              <a:gd name="adj2" fmla="val 98811"/>
+              <a:gd name="adj3" fmla="val 46142"/>
+              <a:gd name="adj4" fmla="val 124961"/>
             </a:avLst>
           </a:prstGeom>
           <a:noFill/>
@@ -3206,7 +3219,7 @@
                   <a:srgbClr val="FF0000"/>
                 </a:solidFill>
               </a:rPr>
-              <a:t>选择方法（数据类型）</a:t>
+              <a:t>指标变量列数</a:t>
             </a:r>
             <a:endParaRPr lang="zh-CN" altLang="en-US" sz="1200" dirty="0">
               <a:solidFill>
@@ -3218,21 +3231,21 @@
       </p:sp>
       <p:sp>
         <p:nvSpPr>
-          <p:cNvPr id="10" name="线形标注 1 9"/>
+          <p:cNvPr id="16" name="线形标注 1 15"/>
           <p:cNvSpPr/>
           <p:nvPr/>
         </p:nvSpPr>
         <p:spPr>
           <a:xfrm>
-            <a:off x="1043608" y="3011462"/>
-            <a:ext cx="936104" cy="345529"/>
+            <a:off x="1743546" y="4077072"/>
+            <a:ext cx="1141553" cy="288032"/>
           </a:xfrm>
           <a:prstGeom prst="borderCallout1">
             <a:avLst>
-              <a:gd name="adj1" fmla="val 50496"/>
-              <a:gd name="adj2" fmla="val 100338"/>
-              <a:gd name="adj3" fmla="val 97281"/>
-              <a:gd name="adj4" fmla="val 147261"/>
+              <a:gd name="adj1" fmla="val 44544"/>
+              <a:gd name="adj2" fmla="val 98811"/>
+              <a:gd name="adj3" fmla="val 46142"/>
+              <a:gd name="adj4" fmla="val 124961"/>
             </a:avLst>
           </a:prstGeom>
           <a:noFill/>
@@ -3269,7 +3282,7 @@
                   <a:srgbClr val="FF0000"/>
                 </a:solidFill>
               </a:rPr>
-              <a:t>输入自变量列数</a:t>
+              <a:t>分组变量列数</a:t>
             </a:r>
             <a:endParaRPr lang="zh-CN" altLang="en-US" sz="1200" dirty="0">
               <a:solidFill>
@@ -3281,21 +3294,21 @@
       </p:sp>
       <p:sp>
         <p:nvSpPr>
-          <p:cNvPr id="11" name="线形标注 1 10"/>
+          <p:cNvPr id="17" name="线形标注 1 16"/>
           <p:cNvSpPr/>
           <p:nvPr/>
         </p:nvSpPr>
         <p:spPr>
           <a:xfrm>
-            <a:off x="1056219" y="3573016"/>
-            <a:ext cx="936104" cy="432048"/>
+            <a:off x="1743545" y="2924944"/>
+            <a:ext cx="1141553" cy="288032"/>
           </a:xfrm>
           <a:prstGeom prst="borderCallout1">
             <a:avLst>
-              <a:gd name="adj1" fmla="val 50496"/>
-              <a:gd name="adj2" fmla="val 100338"/>
-              <a:gd name="adj3" fmla="val 80754"/>
-              <a:gd name="adj4" fmla="val 148482"/>
+              <a:gd name="adj1" fmla="val 44544"/>
+              <a:gd name="adj2" fmla="val 98811"/>
+              <a:gd name="adj3" fmla="val 46142"/>
+              <a:gd name="adj4" fmla="val 124961"/>
             </a:avLst>
           </a:prstGeom>
           <a:noFill/>
@@ -3332,36 +3345,51 @@
                   <a:srgbClr val="FF0000"/>
                 </a:solidFill>
               </a:rPr>
-              <a:t>输入因变量</a:t>
-            </a:r>
-            <a:r>
-              <a:rPr lang="zh-CN" altLang="en-US" sz="1200" dirty="0">
+              <a:t>选择</a:t>
+            </a:r>
+            <a:r>
+              <a:rPr lang="en-US" altLang="zh-CN" sz="1200" i="1" dirty="0" smtClean="0">
+                <a:solidFill>
+                  <a:srgbClr val="FF0000"/>
+                </a:solidFill>
+                <a:latin typeface="Times New Roman" panose="02020603050405020304" pitchFamily="18" charset="0"/>
+                <a:cs typeface="Times New Roman" panose="02020603050405020304" pitchFamily="18" charset="0"/>
+              </a:rPr>
+              <a:t>t</a:t>
+            </a:r>
+            <a:r>
+              <a:rPr lang="zh-CN" altLang="en-US" sz="1200" dirty="0" smtClean="0">
                 <a:solidFill>
                   <a:srgbClr val="FF0000"/>
                 </a:solidFill>
               </a:rPr>
-              <a:t>列数</a:t>
-            </a:r>
-          </a:p>
-        </p:txBody>
-      </p:sp>
-      <p:sp>
-        <p:nvSpPr>
-          <p:cNvPr id="12" name="线形标注 1 11"/>
+              <a:t>检验方法</a:t>
+            </a:r>
+            <a:endParaRPr lang="zh-CN" altLang="en-US" sz="1200" dirty="0">
+              <a:solidFill>
+                <a:srgbClr val="FF0000"/>
+              </a:solidFill>
+            </a:endParaRPr>
+          </a:p>
+        </p:txBody>
+      </p:sp>
+      <p:sp>
+        <p:nvSpPr>
+          <p:cNvPr id="18" name="线形标注 1 17"/>
           <p:cNvSpPr/>
           <p:nvPr/>
         </p:nvSpPr>
         <p:spPr>
           <a:xfrm>
-            <a:off x="899592" y="4221088"/>
-            <a:ext cx="1097340" cy="288032"/>
+            <a:off x="1734426" y="4627581"/>
+            <a:ext cx="1141553" cy="288032"/>
           </a:xfrm>
           <a:prstGeom prst="borderCallout1">
             <a:avLst>
-              <a:gd name="adj1" fmla="val 48512"/>
-              <a:gd name="adj2" fmla="val 100889"/>
-              <a:gd name="adj3" fmla="val 100595"/>
-              <a:gd name="adj4" fmla="val 142938"/>
+              <a:gd name="adj1" fmla="val 44544"/>
+              <a:gd name="adj2" fmla="val 98811"/>
+              <a:gd name="adj3" fmla="val 46142"/>
+              <a:gd name="adj4" fmla="val 124961"/>
             </a:avLst>
           </a:prstGeom>
           <a:noFill/>
@@ -3398,7 +3426,7 @@
                   <a:srgbClr val="FF0000"/>
                 </a:solidFill>
               </a:rPr>
-              <a:t>输入总体均数</a:t>
+              <a:t>总体均数</a:t>
             </a:r>
             <a:endParaRPr lang="zh-CN" altLang="en-US" sz="1200" dirty="0">
               <a:solidFill>
@@ -3410,21 +3438,21 @@
       </p:sp>
       <p:sp>
         <p:nvSpPr>
-          <p:cNvPr id="13" name="线形标注 1 12"/>
+          <p:cNvPr id="19" name="线形标注 1 18"/>
           <p:cNvSpPr/>
           <p:nvPr/>
         </p:nvSpPr>
         <p:spPr>
           <a:xfrm>
-            <a:off x="899592" y="4725144"/>
-            <a:ext cx="1097340" cy="288032"/>
+            <a:off x="1743544" y="5012855"/>
+            <a:ext cx="1141553" cy="288032"/>
           </a:xfrm>
           <a:prstGeom prst="borderCallout1">
             <a:avLst>
-              <a:gd name="adj1" fmla="val 50496"/>
-              <a:gd name="adj2" fmla="val 100338"/>
-              <a:gd name="adj3" fmla="val 54960"/>
-              <a:gd name="adj4" fmla="val 142988"/>
+              <a:gd name="adj1" fmla="val 44544"/>
+              <a:gd name="adj2" fmla="val 98811"/>
+              <a:gd name="adj3" fmla="val 46142"/>
+              <a:gd name="adj4" fmla="val 124961"/>
             </a:avLst>
           </a:prstGeom>
           <a:noFill/>
@@ -3473,90 +3501,28 @@
       </p:sp>
       <p:sp>
         <p:nvSpPr>
-          <p:cNvPr id="2" name="TextBox 1"/>
-          <p:cNvSpPr txBox="1"/>
+          <p:cNvPr id="20" name="线形标注 1 19"/>
+          <p:cNvSpPr/>
           <p:nvPr/>
         </p:nvSpPr>
         <p:spPr>
           <a:xfrm>
-            <a:off x="1907704" y="188640"/>
-            <a:ext cx="3672408" cy="523220"/>
+            <a:off x="1743547" y="5508380"/>
+            <a:ext cx="1141553" cy="288032"/>
           </a:xfrm>
-          <a:prstGeom prst="rect">
-            <a:avLst/>
+          <a:prstGeom prst="borderCallout1">
+            <a:avLst>
+              <a:gd name="adj1" fmla="val 44544"/>
+              <a:gd name="adj2" fmla="val 98811"/>
+              <a:gd name="adj3" fmla="val 46142"/>
+              <a:gd name="adj4" fmla="val 124961"/>
+            </a:avLst>
           </a:prstGeom>
           <a:noFill/>
-        </p:spPr>
-        <p:txBody>
-          <a:bodyPr wrap="square" rtlCol="0">
-            <a:spAutoFit/>
-          </a:bodyPr>
-          <a:lstStyle/>
-          <a:p>
-            <a:r>
-              <a:rPr lang="zh-CN" altLang="en-US" sz="2800" b="1" dirty="0" smtClean="0">
-                <a:solidFill>
-                  <a:srgbClr val="FF0000"/>
-                </a:solidFill>
-              </a:rPr>
-              <a:t>界面介绍</a:t>
-            </a:r>
-            <a:endParaRPr lang="zh-CN" altLang="en-US" sz="2800" b="1" dirty="0">
-              <a:solidFill>
-                <a:srgbClr val="FF0000"/>
-              </a:solidFill>
-            </a:endParaRPr>
-          </a:p>
-        </p:txBody>
-      </p:sp>
-    </p:spTree>
-    <p:extLst>
-      <p:ext uri="{BB962C8B-B14F-4D97-AF65-F5344CB8AC3E}">
-        <p14:creationId xmlns:p14="http://schemas.microsoft.com/office/powerpoint/2010/main" val="161924311"/>
-      </p:ext>
-    </p:extLst>
-  </p:cSld>
-  <p:clrMapOvr>
-    <a:masterClrMapping/>
-  </p:clrMapOvr>
-</p:sld>
-</file>
-
-<file path=ppt/slides/slide2.xml><?xml version="1.0" encoding="utf-8"?>
-<p:sld xmlns:a="http://schemas.openxmlformats.org/drawingml/2006/main" xmlns:r="http://schemas.openxmlformats.org/officeDocument/2006/relationships" xmlns:p="http://schemas.openxmlformats.org/presentationml/2006/main">
-  <p:cSld>
-    <p:spTree>
-      <p:nvGrpSpPr>
-        <p:cNvPr id="1" name=""/>
-        <p:cNvGrpSpPr/>
-        <p:nvPr/>
-      </p:nvGrpSpPr>
-      <p:grpSpPr>
-        <a:xfrm>
-          <a:off x="0" y="0"/>
-          <a:ext cx="0" cy="0"/>
-          <a:chOff x="0" y="0"/>
-          <a:chExt cx="0" cy="0"/>
-        </a:xfrm>
-      </p:grpSpPr>
-      <p:sp>
-        <p:nvSpPr>
-          <p:cNvPr id="4" name="圆角矩形 3"/>
-          <p:cNvSpPr/>
-          <p:nvPr/>
-        </p:nvSpPr>
-        <p:spPr>
-          <a:xfrm>
-            <a:off x="1547664" y="1988840"/>
-            <a:ext cx="2880320" cy="720080"/>
-          </a:xfrm>
-          <a:prstGeom prst="roundRect">
-            <a:avLst>
-              <a:gd name="adj" fmla="val 18783"/>
-            </a:avLst>
-          </a:prstGeom>
           <a:ln>
-            <a:noFill/>
+            <a:solidFill>
+              <a:srgbClr val="FF0000"/>
+            </a:solidFill>
           </a:ln>
         </p:spPr>
         <p:style>
@@ -3581,17 +3547,123 @@
           <a:p>
             <a:pPr algn="ctr"/>
             <a:r>
-              <a:rPr lang="zh-CN" altLang="en-US" sz="2000" b="1" dirty="0" smtClean="0">
+              <a:rPr lang="zh-CN" altLang="en-US" sz="1200" dirty="0" smtClean="0">
                 <a:solidFill>
-                  <a:srgbClr val="FFC000"/>
+                  <a:srgbClr val="FF0000"/>
                 </a:solidFill>
               </a:rPr>
-              <a:t>点击此处进入分析界面</a:t>
-            </a:r>
-            <a:endParaRPr lang="zh-CN" altLang="en-US" sz="2000" b="1" dirty="0">
+              <a:t>下载结果</a:t>
+            </a:r>
+            <a:endParaRPr lang="zh-CN" altLang="en-US" sz="1200" dirty="0">
               <a:solidFill>
-                <a:srgbClr val="FFC000"/>
+                <a:srgbClr val="FF0000"/>
               </a:solidFill>
+            </a:endParaRPr>
+          </a:p>
+        </p:txBody>
+      </p:sp>
+      <p:sp>
+        <p:nvSpPr>
+          <p:cNvPr id="21" name="线形标注 1 20"/>
+          <p:cNvSpPr/>
+          <p:nvPr/>
+        </p:nvSpPr>
+        <p:spPr>
+          <a:xfrm>
+            <a:off x="1734425" y="6021288"/>
+            <a:ext cx="1141553" cy="288032"/>
+          </a:xfrm>
+          <a:prstGeom prst="borderCallout1">
+            <a:avLst>
+              <a:gd name="adj1" fmla="val 44544"/>
+              <a:gd name="adj2" fmla="val 98811"/>
+              <a:gd name="adj3" fmla="val 46142"/>
+              <a:gd name="adj4" fmla="val 124961"/>
+            </a:avLst>
+          </a:prstGeom>
+          <a:noFill/>
+          <a:ln>
+            <a:solidFill>
+              <a:srgbClr val="FF0000"/>
+            </a:solidFill>
+          </a:ln>
+        </p:spPr>
+        <p:style>
+          <a:lnRef idx="2">
+            <a:schemeClr val="accent1">
+              <a:shade val="50000"/>
+            </a:schemeClr>
+          </a:lnRef>
+          <a:fillRef idx="1">
+            <a:schemeClr val="accent1"/>
+          </a:fillRef>
+          <a:effectRef idx="0">
+            <a:schemeClr val="accent1"/>
+          </a:effectRef>
+          <a:fontRef idx="minor">
+            <a:schemeClr val="lt1"/>
+          </a:fontRef>
+        </p:style>
+        <p:txBody>
+          <a:bodyPr rtlCol="0" anchor="ctr"/>
+          <a:lstStyle/>
+          <a:p>
+            <a:pPr algn="ctr"/>
+            <a:r>
+              <a:rPr lang="zh-CN" altLang="en-US" sz="1200" dirty="0" smtClean="0">
+                <a:solidFill>
+                  <a:srgbClr val="FF0000"/>
+                </a:solidFill>
+              </a:rPr>
+              <a:t>下载箱式图</a:t>
+            </a:r>
+            <a:endParaRPr lang="zh-CN" altLang="en-US" sz="1200" dirty="0">
+              <a:solidFill>
+                <a:srgbClr val="FF0000"/>
+              </a:solidFill>
+            </a:endParaRPr>
+          </a:p>
+        </p:txBody>
+      </p:sp>
+      <p:sp>
+        <p:nvSpPr>
+          <p:cNvPr id="12" name="TextBox 11"/>
+          <p:cNvSpPr txBox="1"/>
+          <p:nvPr/>
+        </p:nvSpPr>
+        <p:spPr>
+          <a:xfrm>
+            <a:off x="2950121" y="1086644"/>
+            <a:ext cx="3672408" cy="338554"/>
+          </a:xfrm>
+          <a:prstGeom prst="rect">
+            <a:avLst/>
+          </a:prstGeom>
+          <a:noFill/>
+        </p:spPr>
+        <p:txBody>
+          <a:bodyPr wrap="square" rtlCol="0">
+            <a:spAutoFit/>
+          </a:bodyPr>
+          <a:lstStyle/>
+          <a:p>
+            <a:r>
+              <a:rPr lang="en-US" altLang="zh-CN" sz="1600" b="1" dirty="0" smtClean="0">
+                <a:latin typeface="+mj-ea"/>
+                <a:ea typeface="+mj-ea"/>
+              </a:rPr>
+              <a:t>t</a:t>
+            </a:r>
+            <a:r>
+              <a:rPr lang="zh-CN" altLang="en-US" sz="1600" b="1" dirty="0" smtClean="0">
+                <a:latin typeface="+mj-ea"/>
+                <a:ea typeface="+mj-ea"/>
+              </a:rPr>
+              <a:t>检验</a:t>
+            </a:r>
+            <a:endParaRPr lang="zh-CN" altLang="en-US" sz="1600" b="1" dirty="0">
+              <a:latin typeface="+mj-ea"/>
+              <a:ea typeface="+mj-ea"/>
             </a:endParaRPr>
           </a:p>
         </p:txBody>
@@ -3599,7 +3671,7 @@
     </p:spTree>
     <p:extLst>
       <p:ext uri="{BB962C8B-B14F-4D97-AF65-F5344CB8AC3E}">
-        <p14:creationId xmlns:p14="http://schemas.microsoft.com/office/powerpoint/2010/main" val="1097048791"/>
+        <p14:creationId xmlns:p14="http://schemas.microsoft.com/office/powerpoint/2010/main" val="161924311"/>
       </p:ext>
     </p:extLst>
   </p:cSld>

--- a/image/ttest/界面.pptx
+++ b/image/ttest/界面.pptx
@@ -288,7 +288,7 @@
           <a:p>
             <a:fld id="{530820CF-B880-4189-942D-D702A7CBA730}" type="datetimeFigureOut">
               <a:rPr lang="zh-CN" altLang="en-US" smtClean="0"/>
-              <a:t>2021/12/26</a:t>
+              <a:t>2021/12/31</a:t>
             </a:fld>
             <a:endParaRPr lang="zh-CN" altLang="en-US"/>
           </a:p>
@@ -453,7 +453,7 @@
           <a:p>
             <a:fld id="{530820CF-B880-4189-942D-D702A7CBA730}" type="datetimeFigureOut">
               <a:rPr lang="zh-CN" altLang="en-US" smtClean="0"/>
-              <a:t>2021/12/26</a:t>
+              <a:t>2021/12/31</a:t>
             </a:fld>
             <a:endParaRPr lang="zh-CN" altLang="en-US"/>
           </a:p>
@@ -628,7 +628,7 @@
           <a:p>
             <a:fld id="{530820CF-B880-4189-942D-D702A7CBA730}" type="datetimeFigureOut">
               <a:rPr lang="zh-CN" altLang="en-US" smtClean="0"/>
-              <a:t>2021/12/26</a:t>
+              <a:t>2021/12/31</a:t>
             </a:fld>
             <a:endParaRPr lang="zh-CN" altLang="en-US"/>
           </a:p>
@@ -793,7 +793,7 @@
           <a:p>
             <a:fld id="{530820CF-B880-4189-942D-D702A7CBA730}" type="datetimeFigureOut">
               <a:rPr lang="zh-CN" altLang="en-US" smtClean="0"/>
-              <a:t>2021/12/26</a:t>
+              <a:t>2021/12/31</a:t>
             </a:fld>
             <a:endParaRPr lang="zh-CN" altLang="en-US"/>
           </a:p>
@@ -1034,7 +1034,7 @@
           <a:p>
             <a:fld id="{530820CF-B880-4189-942D-D702A7CBA730}" type="datetimeFigureOut">
               <a:rPr lang="zh-CN" altLang="en-US" smtClean="0"/>
-              <a:t>2021/12/26</a:t>
+              <a:t>2021/12/31</a:t>
             </a:fld>
             <a:endParaRPr lang="zh-CN" altLang="en-US"/>
           </a:p>
@@ -1317,7 +1317,7 @@
           <a:p>
             <a:fld id="{530820CF-B880-4189-942D-D702A7CBA730}" type="datetimeFigureOut">
               <a:rPr lang="zh-CN" altLang="en-US" smtClean="0"/>
-              <a:t>2021/12/26</a:t>
+              <a:t>2021/12/31</a:t>
             </a:fld>
             <a:endParaRPr lang="zh-CN" altLang="en-US"/>
           </a:p>
@@ -1734,7 +1734,7 @@
           <a:p>
             <a:fld id="{530820CF-B880-4189-942D-D702A7CBA730}" type="datetimeFigureOut">
               <a:rPr lang="zh-CN" altLang="en-US" smtClean="0"/>
-              <a:t>2021/12/26</a:t>
+              <a:t>2021/12/31</a:t>
             </a:fld>
             <a:endParaRPr lang="zh-CN" altLang="en-US"/>
           </a:p>
@@ -1847,7 +1847,7 @@
           <a:p>
             <a:fld id="{530820CF-B880-4189-942D-D702A7CBA730}" type="datetimeFigureOut">
               <a:rPr lang="zh-CN" altLang="en-US" smtClean="0"/>
-              <a:t>2021/12/26</a:t>
+              <a:t>2021/12/31</a:t>
             </a:fld>
             <a:endParaRPr lang="zh-CN" altLang="en-US"/>
           </a:p>
@@ -1937,7 +1937,7 @@
           <a:p>
             <a:fld id="{530820CF-B880-4189-942D-D702A7CBA730}" type="datetimeFigureOut">
               <a:rPr lang="zh-CN" altLang="en-US" smtClean="0"/>
-              <a:t>2021/12/26</a:t>
+              <a:t>2021/12/31</a:t>
             </a:fld>
             <a:endParaRPr lang="zh-CN" altLang="en-US"/>
           </a:p>
@@ -2209,7 +2209,7 @@
           <a:p>
             <a:fld id="{530820CF-B880-4189-942D-D702A7CBA730}" type="datetimeFigureOut">
               <a:rPr lang="zh-CN" altLang="en-US" smtClean="0"/>
-              <a:t>2021/12/26</a:t>
+              <a:t>2021/12/31</a:t>
             </a:fld>
             <a:endParaRPr lang="zh-CN" altLang="en-US"/>
           </a:p>
@@ -2457,7 +2457,7 @@
           <a:p>
             <a:fld id="{530820CF-B880-4189-942D-D702A7CBA730}" type="datetimeFigureOut">
               <a:rPr lang="zh-CN" altLang="en-US" smtClean="0"/>
-              <a:t>2021/12/26</a:t>
+              <a:t>2021/12/31</a:t>
             </a:fld>
             <a:endParaRPr lang="zh-CN" altLang="en-US"/>
           </a:p>
@@ -2665,7 +2665,7 @@
           <a:p>
             <a:fld id="{530820CF-B880-4189-942D-D702A7CBA730}" type="datetimeFigureOut">
               <a:rPr lang="zh-CN" altLang="en-US" smtClean="0"/>
-              <a:t>2021/12/26</a:t>
+              <a:t>2021/12/31</a:t>
             </a:fld>
             <a:endParaRPr lang="zh-CN" altLang="en-US"/>
           </a:p>
@@ -3037,7 +3037,7 @@
       </p:grpSpPr>
       <p:pic>
         <p:nvPicPr>
-          <p:cNvPr id="5" name="图片 4"/>
+          <p:cNvPr id="3" name="图片 2"/>
           <p:cNvPicPr>
             <a:picLocks noChangeAspect="1"/>
           </p:cNvPicPr>
@@ -3057,8 +3057,8 @@
         </p:blipFill>
         <p:spPr>
           <a:xfrm>
-            <a:off x="2915816" y="1412776"/>
-            <a:ext cx="2863997" cy="5105662"/>
+            <a:off x="2950121" y="1340768"/>
+            <a:ext cx="2895749" cy="5137414"/>
           </a:xfrm>
           <a:prstGeom prst="rect">
             <a:avLst/>
